--- a/fireblaze work/project2/presentationformidtermexammlds/blackFriday.pptx
+++ b/fireblaze work/project2/presentationformidtermexammlds/blackFriday.pptx
@@ -14,10 +14,10 @@
     <p:sldId id="259" r:id="rId5"/>
     <p:sldId id="260" r:id="rId6"/>
     <p:sldId id="267" r:id="rId7"/>
-    <p:sldId id="261" r:id="rId8"/>
-    <p:sldId id="262" r:id="rId9"/>
-    <p:sldId id="265" r:id="rId10"/>
-    <p:sldId id="266" r:id="rId11"/>
+    <p:sldId id="268" r:id="rId8"/>
+    <p:sldId id="261" r:id="rId9"/>
+    <p:sldId id="262" r:id="rId10"/>
+    <p:sldId id="265" r:id="rId11"/>
   </p:sldIdLst>
   <p:sldSz cx="9144000" cy="5143500" type="screen16x9"/>
   <p:notesSz cx="6858000" cy="9144000"/>
@@ -915,14 +915,14 @@
               </a:spcAft>
               <a:buNone/>
             </a:pPr>
-            <a:endParaRPr/>
+            <a:endParaRPr dirty="0"/>
           </a:p>
         </p:txBody>
       </p:sp>
     </p:spTree>
     <p:extLst>
       <p:ext uri="{BB962C8B-B14F-4D97-AF65-F5344CB8AC3E}">
-        <p14:creationId xmlns:p14="http://schemas.microsoft.com/office/powerpoint/2010/main" val="1827155669"/>
+        <p14:creationId xmlns:p14="http://schemas.microsoft.com/office/powerpoint/2010/main" val="1716727508"/>
       </p:ext>
     </p:extLst>
   </p:cSld>
@@ -1554,6 +1554,11 @@
         </p:txBody>
       </p:sp>
     </p:spTree>
+    <p:extLst>
+      <p:ext uri="{BB962C8B-B14F-4D97-AF65-F5344CB8AC3E}">
+        <p14:creationId xmlns:p14="http://schemas.microsoft.com/office/powerpoint/2010/main" val="4171131131"/>
+      </p:ext>
+    </p:extLst>
   </p:cSld>
   <p:clrMapOvr>
     <a:masterClrMapping/>
@@ -1566,7 +1571,7 @@
   <p:cSld>
     <p:spTree>
       <p:nvGrpSpPr>
-        <p:cNvPr id="1" name="Shape 386"/>
+        <p:cNvPr id="1" name="Shape 376"/>
         <p:cNvGrpSpPr/>
         <p:nvPr/>
       </p:nvGrpSpPr>
@@ -1580,7 +1585,7 @@
       </p:grpSpPr>
       <p:sp>
         <p:nvSpPr>
-          <p:cNvPr id="387" name="Google Shape;387;gb7223bd2a0_0_331:notes"/>
+          <p:cNvPr id="377" name="Google Shape;377;gcaee8303e0_0_25:notes"/>
           <p:cNvSpPr>
             <a:spLocks noGrp="1" noRot="1" noChangeAspect="1"/>
           </p:cNvSpPr>
@@ -1621,7 +1626,7 @@
       </p:sp>
       <p:sp>
         <p:nvSpPr>
-          <p:cNvPr id="388" name="Google Shape;388;gb7223bd2a0_0_331:notes"/>
+          <p:cNvPr id="378" name="Google Shape;378;gcaee8303e0_0_25:notes"/>
           <p:cNvSpPr txBox="1">
             <a:spLocks noGrp="1"/>
           </p:cNvSpPr>
@@ -1757,16 +1762,11 @@
               </a:spcAft>
               <a:buNone/>
             </a:pPr>
-            <a:endParaRPr dirty="0"/>
+            <a:endParaRPr/>
           </a:p>
         </p:txBody>
       </p:sp>
     </p:spTree>
-    <p:extLst>
-      <p:ext uri="{BB962C8B-B14F-4D97-AF65-F5344CB8AC3E}">
-        <p14:creationId xmlns:p14="http://schemas.microsoft.com/office/powerpoint/2010/main" val="1716727508"/>
-      </p:ext>
-    </p:extLst>
   </p:cSld>
   <p:clrMapOvr>
     <a:masterClrMapping/>
@@ -6638,7 +6638,7 @@
                 <a:cs typeface="Roboto"/>
                 <a:sym typeface="Roboto"/>
               </a:rPr>
-              <a:t>Future Scope</a:t>
+              <a:t>Conclusion</a:t>
             </a:r>
             <a:endParaRPr sz="3000" b="1" dirty="0">
               <a:solidFill>
@@ -6660,8 +6660,8 @@
         </p:nvSpPr>
         <p:spPr>
           <a:xfrm>
-            <a:off x="0" y="766150"/>
-            <a:ext cx="9144000" cy="4034449"/>
+            <a:off x="-10050" y="738406"/>
+            <a:ext cx="9144000" cy="4062194"/>
           </a:xfrm>
           <a:prstGeom prst="rect">
             <a:avLst/>
@@ -6677,7 +6677,7 @@
           </a:bodyPr>
           <a:lstStyle/>
           <a:p>
-            <a:pPr marL="457200" lvl="0" indent="0" algn="just" rtl="0">
+            <a:pPr marL="457200" lvl="0" rtl="0">
               <a:lnSpc>
                 <a:spcPct val="150000"/>
               </a:lnSpc>
@@ -6687,8 +6687,19 @@
               <a:spcAft>
                 <a:spcPts val="1600"/>
               </a:spcAft>
-              <a:buNone/>
             </a:pPr>
+            <a:r>
+              <a:rPr lang="en-US" sz="2000" dirty="0" smtClean="0">
+                <a:solidFill>
+                  <a:schemeClr val="dk1"/>
+                </a:solidFill>
+                <a:latin typeface="Roboto"/>
+                <a:ea typeface="Roboto"/>
+                <a:cs typeface="Roboto"/>
+                <a:sym typeface="Roboto"/>
+              </a:rPr>
+              <a:t>The Model performs almost similarly in all the algorithms</a:t>
+            </a:r>
             <a:endParaRPr sz="2000" dirty="0">
               <a:solidFill>
                 <a:schemeClr val="dk1"/>
@@ -6844,13 +6855,20 @@
     </p:spTree>
     <p:extLst>
       <p:ext uri="{BB962C8B-B14F-4D97-AF65-F5344CB8AC3E}">
-        <p14:creationId xmlns:p14="http://schemas.microsoft.com/office/powerpoint/2010/main" val="966557344"/>
+        <p14:creationId xmlns:p14="http://schemas.microsoft.com/office/powerpoint/2010/main" val="750392130"/>
       </p:ext>
     </p:extLst>
   </p:cSld>
   <p:clrMapOvr>
     <a:masterClrMapping/>
   </p:clrMapOvr>
+  <p:timing>
+    <p:tnLst>
+      <p:par>
+        <p:cTn id="1" dur="indefinite" restart="never" nodeType="tmRoot"/>
+      </p:par>
+    </p:tnLst>
+  </p:timing>
 </p:sld>
 </file>
 
@@ -7414,7 +7432,7 @@
         </p:nvSpPr>
         <p:spPr>
           <a:xfrm>
-            <a:off x="0" y="802200"/>
+            <a:off x="-10050" y="840407"/>
             <a:ext cx="9144000" cy="3998400"/>
           </a:xfrm>
           <a:prstGeom prst="rect">
@@ -7431,7 +7449,7 @@
           </a:bodyPr>
           <a:lstStyle/>
           <a:p>
-            <a:pPr marL="0" lvl="0" indent="0" algn="just" rtl="0">
+            <a:pPr lvl="0">
               <a:lnSpc>
                 <a:spcPct val="150000"/>
               </a:lnSpc>
@@ -7441,14 +7459,112 @@
               <a:spcAft>
                 <a:spcPts val="1600"/>
               </a:spcAft>
-              <a:buNone/>
             </a:pPr>
-            <a:endParaRPr sz="2000" dirty="0">
+            <a:r>
+              <a:rPr lang="en-US" sz="1600" dirty="0">
+                <a:latin typeface="Roboto" panose="020B0604020202020204" charset="0"/>
+                <a:ea typeface="Roboto" panose="020B0604020202020204" charset="0"/>
+              </a:rPr>
+              <a:t>Data Preprocessing : This step performs all pre-processing steps such as data manipulation, data filling, converting categorical into numeric, and all processes. </a:t>
+            </a:r>
+            <a:br>
+              <a:rPr lang="en-US" sz="1600" dirty="0">
+                <a:latin typeface="Roboto" panose="020B0604020202020204" charset="0"/>
+                <a:ea typeface="Roboto" panose="020B0604020202020204" charset="0"/>
+              </a:rPr>
+            </a:br>
+            <a:r>
+              <a:rPr lang="en-US" sz="1600" dirty="0">
+                <a:latin typeface="Roboto" panose="020B0604020202020204" charset="0"/>
+                <a:ea typeface="Roboto" panose="020B0604020202020204" charset="0"/>
+              </a:rPr>
+              <a:t> The EDA process involves performing </a:t>
+            </a:r>
+            <a:br>
+              <a:rPr lang="en-US" sz="1600" dirty="0">
+                <a:latin typeface="Roboto" panose="020B0604020202020204" charset="0"/>
+                <a:ea typeface="Roboto" panose="020B0604020202020204" charset="0"/>
+              </a:rPr>
+            </a:br>
+            <a:r>
+              <a:rPr lang="en-US" sz="1600" dirty="0">
+                <a:latin typeface="Roboto" panose="020B0604020202020204" charset="0"/>
+                <a:ea typeface="Roboto" panose="020B0604020202020204" charset="0"/>
+              </a:rPr>
+              <a:t>1. Univariate Analysis </a:t>
+            </a:r>
+            <a:br>
+              <a:rPr lang="en-US" sz="1600" dirty="0">
+                <a:latin typeface="Roboto" panose="020B0604020202020204" charset="0"/>
+                <a:ea typeface="Roboto" panose="020B0604020202020204" charset="0"/>
+              </a:rPr>
+            </a:br>
+            <a:r>
+              <a:rPr lang="en-US" sz="1600" dirty="0">
+                <a:latin typeface="Roboto" panose="020B0604020202020204" charset="0"/>
+                <a:ea typeface="Roboto" panose="020B0604020202020204" charset="0"/>
+              </a:rPr>
+              <a:t>2. Bivariate analysis</a:t>
+            </a:r>
+            <a:br>
+              <a:rPr lang="en-US" sz="1600" dirty="0">
+                <a:latin typeface="Roboto" panose="020B0604020202020204" charset="0"/>
+                <a:ea typeface="Roboto" panose="020B0604020202020204" charset="0"/>
+              </a:rPr>
+            </a:br>
+            <a:r>
+              <a:rPr lang="en-US" sz="1600" dirty="0">
+                <a:latin typeface="Roboto" panose="020B0604020202020204" charset="0"/>
+                <a:ea typeface="Roboto" panose="020B0604020202020204" charset="0"/>
+              </a:rPr>
+              <a:t>3. Removing Missing values if any / Outlier treatment </a:t>
+            </a:r>
+            <a:br>
+              <a:rPr lang="en-US" sz="1600" dirty="0">
+                <a:latin typeface="Roboto" panose="020B0604020202020204" charset="0"/>
+                <a:ea typeface="Roboto" panose="020B0604020202020204" charset="0"/>
+              </a:rPr>
+            </a:br>
+            <a:r>
+              <a:rPr lang="en-US" sz="1600" dirty="0" smtClean="0">
+                <a:latin typeface="Roboto" panose="020B0604020202020204" charset="0"/>
+                <a:ea typeface="Roboto" panose="020B0604020202020204" charset="0"/>
+              </a:rPr>
+              <a:t>4</a:t>
+            </a:r>
+            <a:r>
+              <a:rPr lang="en-US" sz="1600" dirty="0">
+                <a:latin typeface="Roboto" panose="020B0604020202020204" charset="0"/>
+                <a:ea typeface="Roboto" panose="020B0604020202020204" charset="0"/>
+              </a:rPr>
+              <a:t>. </a:t>
+            </a:r>
+            <a:r>
+              <a:rPr lang="en-US" sz="1600" dirty="0"/>
+              <a:t>Machine Learning : Probability of purchase. and also check if the model is to be </a:t>
+            </a:r>
+            <a:r>
+              <a:rPr lang="en-US" sz="1600" dirty="0" err="1"/>
+              <a:t>underfitting</a:t>
+            </a:r>
+            <a:r>
+              <a:rPr lang="en-US" sz="1600" dirty="0"/>
+              <a:t> or overfitting if it has then solves this by using cross-validation technique, or perform </a:t>
+            </a:r>
+            <a:r>
+              <a:rPr lang="en-US" sz="1600" dirty="0" err="1"/>
+              <a:t>hyperparameter</a:t>
+            </a:r>
+            <a:r>
+              <a:rPr lang="en-US" sz="1600" dirty="0"/>
+              <a:t> tuning to improve model performance.</a:t>
+            </a:r>
+            <a:endParaRPr lang="en-US" sz="1600" dirty="0">
               <a:solidFill>
                 <a:schemeClr val="dk1"/>
               </a:solidFill>
-              <a:latin typeface="Roboto"/>
-              <a:ea typeface="Roboto"/>
+              <a:latin typeface="Roboto" panose="020B0604020202020204" charset="0"/>
+              <a:ea typeface="Roboto" panose="020B0604020202020204" charset="0"/>
               <a:cs typeface="Roboto"/>
               <a:sym typeface="Roboto"/>
             </a:endParaRPr>
@@ -7600,6 +7716,13 @@
   <p:clrMapOvr>
     <a:masterClrMapping/>
   </p:clrMapOvr>
+  <p:timing>
+    <p:tnLst>
+      <p:par>
+        <p:cTn id="1" dur="indefinite" restart="never" nodeType="tmRoot"/>
+      </p:par>
+    </p:tnLst>
+  </p:timing>
 </p:sld>
 </file>
 
@@ -7980,6 +8103,13 @@
   <p:clrMapOvr>
     <a:masterClrMapping/>
   </p:clrMapOvr>
+  <p:timing>
+    <p:tnLst>
+      <p:par>
+        <p:cTn id="1" dur="indefinite" restart="never" nodeType="tmRoot"/>
+      </p:par>
+    </p:tnLst>
+  </p:timing>
 </p:sld>
 </file>
 
@@ -8098,7 +8228,7 @@
           </a:bodyPr>
           <a:lstStyle/>
           <a:p>
-            <a:pPr marL="101600" lvl="0" indent="6084888" algn="just" rtl="0">
+            <a:pPr marL="101600" lvl="0" indent="6084888" rtl="0">
               <a:lnSpc>
                 <a:spcPct val="150000"/>
               </a:lnSpc>
@@ -8121,7 +8251,7 @@
             </a:r>
           </a:p>
           <a:p>
-            <a:pPr marL="6446838" lvl="0" indent="-171450" algn="just" rtl="0">
+            <a:pPr marL="6446838" lvl="0" indent="-171450" rtl="0">
               <a:lnSpc>
                 <a:spcPct val="150000"/>
               </a:lnSpc>
@@ -8146,7 +8276,7 @@
             </a:r>
           </a:p>
           <a:p>
-            <a:pPr marL="6446838" lvl="0" indent="-171450" algn="just" rtl="0">
+            <a:pPr marL="6446838" lvl="0" indent="-171450" rtl="0">
               <a:lnSpc>
                 <a:spcPct val="150000"/>
               </a:lnSpc>
@@ -8189,7 +8319,7 @@
             </a:r>
           </a:p>
           <a:p>
-            <a:pPr marL="6446838" lvl="0" indent="-171450" algn="just" rtl="0">
+            <a:pPr marL="6446838" lvl="0" indent="-171450" rtl="0">
               <a:lnSpc>
                 <a:spcPct val="150000"/>
               </a:lnSpc>
@@ -8220,7 +8350,7 @@
             </a:endParaRPr>
           </a:p>
           <a:p>
-            <a:pPr marL="6446838" lvl="0" indent="-171450" algn="just" rtl="0">
+            <a:pPr marL="6446838" lvl="0" indent="-171450" rtl="0">
               <a:lnSpc>
                 <a:spcPct val="150000"/>
               </a:lnSpc>
@@ -8493,6 +8623,13 @@
   <p:clrMapOvr>
     <a:masterClrMapping/>
   </p:clrMapOvr>
+  <p:timing>
+    <p:tnLst>
+      <p:par>
+        <p:cTn id="1" dur="indefinite" restart="never" nodeType="tmRoot"/>
+      </p:par>
+    </p:tnLst>
+  </p:timing>
 </p:sld>
 </file>
 
@@ -8611,7 +8748,7 @@
           </a:bodyPr>
           <a:lstStyle/>
           <a:p>
-            <a:pPr marL="101600" lvl="0" indent="6084888" algn="just" rtl="0">
+            <a:pPr marL="101600" lvl="0" indent="6084888" rtl="0">
               <a:lnSpc>
                 <a:spcPct val="150000"/>
               </a:lnSpc>
@@ -8634,7 +8771,7 @@
             </a:r>
           </a:p>
           <a:p>
-            <a:pPr marL="6446838" lvl="0" indent="-171450" algn="just" rtl="0">
+            <a:pPr marL="6446838" lvl="0" indent="-171450" rtl="0">
               <a:lnSpc>
                 <a:spcPct val="150000"/>
               </a:lnSpc>
@@ -8655,11 +8792,11 @@
                 <a:cs typeface="Roboto"/>
                 <a:sym typeface="Roboto"/>
               </a:rPr>
-              <a:t>Graph 1 We can see the Highest purchase range is between 5000 to 10000</a:t>
+              <a:t>Graph 5 We can see That males have higher purchase amount than females</a:t>
             </a:r>
           </a:p>
           <a:p>
-            <a:pPr marL="6446838" lvl="0" indent="-171450" algn="just" rtl="0">
+            <a:pPr marL="6446838" lvl="0" indent="-171450" rtl="0">
               <a:lnSpc>
                 <a:spcPct val="150000"/>
               </a:lnSpc>
@@ -8680,29 +8817,11 @@
                 <a:cs typeface="Roboto"/>
                 <a:sym typeface="Roboto"/>
               </a:rPr>
-              <a:t>In graph 2 we can see that M </a:t>
-            </a:r>
-            <a:r>
-              <a:rPr lang="en-US" sz="1000" dirty="0" err="1" smtClean="0">
-                <a:latin typeface="Roboto"/>
-                <a:ea typeface="Roboto"/>
-                <a:cs typeface="Roboto"/>
-                <a:sym typeface="Roboto"/>
-              </a:rPr>
-              <a:t>ie</a:t>
-            </a:r>
-            <a:r>
-              <a:rPr lang="en-US" sz="1000" dirty="0" smtClean="0">
-                <a:latin typeface="Roboto"/>
-                <a:ea typeface="Roboto"/>
-                <a:cs typeface="Roboto"/>
-                <a:sym typeface="Roboto"/>
-              </a:rPr>
-              <a:t> Males have Placed more orders, Maybe they are more interested in black Friday sales than females.</a:t>
+              <a:t>In graph 6 we can see age group 51-55 have higher purchase or spending capacity</a:t>
             </a:r>
           </a:p>
           <a:p>
-            <a:pPr marL="6446838" lvl="0" indent="-171450" algn="just" rtl="0">
+            <a:pPr marL="6446838" lvl="0" indent="-171450" rtl="0">
               <a:lnSpc>
                 <a:spcPct val="150000"/>
               </a:lnSpc>
@@ -8723,7 +8842,7 @@
                 <a:cs typeface="Roboto"/>
                 <a:sym typeface="Roboto"/>
               </a:rPr>
-              <a:t>In graph 3 we can see that the most orders were placed by the age group 26-35</a:t>
+              <a:t>In graph 7 we can see the correlation between columns</a:t>
             </a:r>
             <a:endParaRPr lang="en-US" sz="1000" dirty="0">
               <a:latin typeface="Roboto"/>
@@ -8733,7 +8852,7 @@
             </a:endParaRPr>
           </a:p>
           <a:p>
-            <a:pPr marL="6446838" lvl="0" indent="-171450" algn="just" rtl="0">
+            <a:pPr marL="6446838" lvl="0" indent="-171450" rtl="0">
               <a:lnSpc>
                 <a:spcPct val="150000"/>
               </a:lnSpc>
@@ -8754,7 +8873,7 @@
                 <a:cs typeface="Roboto"/>
                 <a:sym typeface="Roboto"/>
               </a:rPr>
-              <a:t>In graph 4 we can see that occupations 0, 4, 7, have placed more orders</a:t>
+              <a:t>In graph 9 we can see purchases made by every occupation type </a:t>
             </a:r>
             <a:endParaRPr lang="en-US" sz="1000" dirty="0">
               <a:latin typeface="Roboto"/>
@@ -8947,6 +9066,54 @@
           <a:xfrm flipH="1">
             <a:off x="163201" y="2683770"/>
             <a:ext cx="3111734" cy="1754327"/>
+          </a:xfrm>
+          <a:prstGeom prst="rect">
+            <a:avLst/>
+          </a:prstGeom>
+        </p:spPr>
+      </p:pic>
+      <p:pic>
+        <p:nvPicPr>
+          <p:cNvPr id="2" name="Picture 1"/>
+          <p:cNvPicPr>
+            <a:picLocks noChangeAspect="1"/>
+          </p:cNvPicPr>
+          <p:nvPr/>
+        </p:nvPicPr>
+        <p:blipFill>
+          <a:blip r:embed="rId5"/>
+          <a:stretch>
+            <a:fillRect/>
+          </a:stretch>
+        </p:blipFill>
+        <p:spPr>
+          <a:xfrm>
+            <a:off x="3134033" y="888167"/>
+            <a:ext cx="3072107" cy="1614351"/>
+          </a:xfrm>
+          <a:prstGeom prst="rect">
+            <a:avLst/>
+          </a:prstGeom>
+        </p:spPr>
+      </p:pic>
+      <p:pic>
+        <p:nvPicPr>
+          <p:cNvPr id="3" name="Picture 2"/>
+          <p:cNvPicPr>
+            <a:picLocks noChangeAspect="1"/>
+          </p:cNvPicPr>
+          <p:nvPr/>
+        </p:nvPicPr>
+        <p:blipFill>
+          <a:blip r:embed="rId6"/>
+          <a:stretch>
+            <a:fillRect/>
+          </a:stretch>
+        </p:blipFill>
+        <p:spPr>
+          <a:xfrm>
+            <a:off x="3448186" y="2696471"/>
+            <a:ext cx="2639500" cy="1572939"/>
           </a:xfrm>
           <a:prstGeom prst="rect">
             <a:avLst/>
@@ -9020,6 +9187,414 @@
           </a:bodyPr>
           <a:lstStyle/>
           <a:p>
+            <a:pPr marL="450000" lvl="0" algn="l">
+              <a:lnSpc>
+                <a:spcPct val="150000"/>
+              </a:lnSpc>
+              <a:spcAft>
+                <a:spcPts val="1600"/>
+              </a:spcAft>
+            </a:pPr>
+            <a:r>
+              <a:rPr lang="en-US" sz="3000" b="1" dirty="0">
+                <a:solidFill>
+                  <a:srgbClr val="FFFFFF"/>
+                </a:solidFill>
+                <a:latin typeface="Roboto"/>
+                <a:ea typeface="Roboto"/>
+                <a:cs typeface="Roboto"/>
+                <a:sym typeface="Roboto"/>
+              </a:rPr>
+              <a:t>Preprocessing the Dataset</a:t>
+            </a:r>
+            <a:endParaRPr sz="3000" b="1" dirty="0">
+              <a:solidFill>
+                <a:srgbClr val="FFFFFF"/>
+              </a:solidFill>
+              <a:latin typeface="Roboto"/>
+              <a:ea typeface="Roboto"/>
+              <a:cs typeface="Roboto"/>
+              <a:sym typeface="Roboto"/>
+            </a:endParaRPr>
+          </a:p>
+        </p:txBody>
+      </p:sp>
+      <p:sp>
+        <p:nvSpPr>
+          <p:cNvPr id="382" name="Google Shape;382;p18"/>
+          <p:cNvSpPr txBox="1"/>
+          <p:nvPr/>
+        </p:nvSpPr>
+        <p:spPr>
+          <a:xfrm>
+            <a:off x="-10050" y="787750"/>
+            <a:ext cx="9144000" cy="3995403"/>
+          </a:xfrm>
+          <a:prstGeom prst="rect">
+            <a:avLst/>
+          </a:prstGeom>
+          <a:noFill/>
+          <a:ln>
+            <a:noFill/>
+          </a:ln>
+        </p:spPr>
+        <p:txBody>
+          <a:bodyPr spcFirstLastPara="1" wrap="square" lIns="274300" tIns="274300" rIns="274300" bIns="274300" anchor="t" anchorCtr="0">
+            <a:noAutofit/>
+          </a:bodyPr>
+          <a:lstStyle/>
+          <a:p>
+            <a:pPr marL="444500" lvl="0" indent="-342900" rtl="0">
+              <a:lnSpc>
+                <a:spcPct val="150000"/>
+              </a:lnSpc>
+              <a:spcBef>
+                <a:spcPts val="0"/>
+              </a:spcBef>
+              <a:spcAft>
+                <a:spcPts val="0"/>
+              </a:spcAft>
+              <a:buSzPts val="2000"/>
+              <a:buFont typeface="Arial" panose="020B0604020202020204" pitchFamily="34" charset="0"/>
+              <a:buChar char="•"/>
+              <a:tabLst>
+                <a:tab pos="6459538" algn="l"/>
+              </a:tabLst>
+            </a:pPr>
+            <a:r>
+              <a:rPr lang="en-US" dirty="0" smtClean="0">
+                <a:solidFill>
+                  <a:schemeClr val="dk1"/>
+                </a:solidFill>
+                <a:latin typeface="Roboto"/>
+                <a:ea typeface="Roboto"/>
+                <a:cs typeface="Roboto"/>
+                <a:sym typeface="Roboto"/>
+              </a:rPr>
+              <a:t>Looking for null values we can see that product category 2 and 3 have null values we can treat them by simply dropping the product category 3 column because it has many missing values more than 60%,</a:t>
+            </a:r>
+            <a:br>
+              <a:rPr lang="en-US" dirty="0" smtClean="0">
+                <a:solidFill>
+                  <a:schemeClr val="dk1"/>
+                </a:solidFill>
+                <a:latin typeface="Roboto"/>
+                <a:ea typeface="Roboto"/>
+                <a:cs typeface="Roboto"/>
+                <a:sym typeface="Roboto"/>
+              </a:rPr>
+            </a:br>
+            <a:r>
+              <a:rPr lang="en-US" dirty="0" smtClean="0">
+                <a:solidFill>
+                  <a:schemeClr val="dk1"/>
+                </a:solidFill>
+                <a:latin typeface="Roboto"/>
+                <a:ea typeface="Roboto"/>
+                <a:cs typeface="Roboto"/>
+                <a:sym typeface="Roboto"/>
+              </a:rPr>
+              <a:t>we will fill the product category 2  column with the mean value of that column.</a:t>
+            </a:r>
+          </a:p>
+          <a:p>
+            <a:pPr marL="444500" lvl="0" indent="-342900" algn="just" rtl="0">
+              <a:lnSpc>
+                <a:spcPct val="150000"/>
+              </a:lnSpc>
+              <a:spcBef>
+                <a:spcPts val="0"/>
+              </a:spcBef>
+              <a:spcAft>
+                <a:spcPts val="0"/>
+              </a:spcAft>
+              <a:buSzPts val="2000"/>
+              <a:buFont typeface="Arial" panose="020B0604020202020204" pitchFamily="34" charset="0"/>
+              <a:buChar char="•"/>
+              <a:tabLst>
+                <a:tab pos="7624763" algn="l"/>
+                <a:tab pos="7978775" algn="l"/>
+                <a:tab pos="8074025" algn="l"/>
+              </a:tabLst>
+            </a:pPr>
+            <a:r>
+              <a:rPr lang="en-US" dirty="0" smtClean="0">
+                <a:solidFill>
+                  <a:schemeClr val="dk1"/>
+                </a:solidFill>
+                <a:latin typeface="Roboto"/>
+                <a:ea typeface="Roboto"/>
+                <a:cs typeface="Roboto"/>
+                <a:sym typeface="Roboto"/>
+              </a:rPr>
+              <a:t>Outlier Treatment: We can remove the outliers by using techniques like IQR or z-score here I have used IQR technique to remove outliers in purchase column</a:t>
+            </a:r>
+          </a:p>
+          <a:p>
+            <a:pPr marL="444500" lvl="0" indent="-342900" algn="just" rtl="0">
+              <a:lnSpc>
+                <a:spcPct val="150000"/>
+              </a:lnSpc>
+              <a:spcBef>
+                <a:spcPts val="0"/>
+              </a:spcBef>
+              <a:spcAft>
+                <a:spcPts val="0"/>
+              </a:spcAft>
+              <a:buSzPts val="2000"/>
+              <a:buFont typeface="Arial" panose="020B0604020202020204" pitchFamily="34" charset="0"/>
+              <a:buChar char="•"/>
+            </a:pPr>
+            <a:endParaRPr dirty="0">
+              <a:solidFill>
+                <a:schemeClr val="dk1"/>
+              </a:solidFill>
+              <a:latin typeface="Roboto"/>
+              <a:ea typeface="Roboto"/>
+              <a:cs typeface="Roboto"/>
+              <a:sym typeface="Roboto"/>
+            </a:endParaRPr>
+          </a:p>
+        </p:txBody>
+      </p:sp>
+      <p:sp>
+        <p:nvSpPr>
+          <p:cNvPr id="383" name="Google Shape;383;p18"/>
+          <p:cNvSpPr txBox="1"/>
+          <p:nvPr/>
+        </p:nvSpPr>
+        <p:spPr>
+          <a:xfrm>
+            <a:off x="-10050" y="4800600"/>
+            <a:ext cx="9164100" cy="270600"/>
+          </a:xfrm>
+          <a:prstGeom prst="rect">
+            <a:avLst/>
+          </a:prstGeom>
+          <a:solidFill>
+            <a:srgbClr val="FF6A0E"/>
+          </a:solidFill>
+          <a:ln>
+            <a:noFill/>
+          </a:ln>
+        </p:spPr>
+        <p:txBody>
+          <a:bodyPr spcFirstLastPara="1" wrap="square" lIns="91425" tIns="91425" rIns="91425" bIns="91425" anchor="ctr" anchorCtr="0">
+            <a:noAutofit/>
+          </a:bodyPr>
+          <a:lstStyle/>
+          <a:p>
+            <a:pPr marL="0" marR="182880" lvl="0" indent="0" algn="r" rtl="0">
+              <a:spcBef>
+                <a:spcPts val="0"/>
+              </a:spcBef>
+              <a:spcAft>
+                <a:spcPts val="0"/>
+              </a:spcAft>
+              <a:buNone/>
+            </a:pPr>
+            <a:r>
+              <a:rPr lang="en-GB" sz="1200">
+                <a:solidFill>
+                  <a:srgbClr val="FFFFFF"/>
+                </a:solidFill>
+                <a:latin typeface="Roboto"/>
+                <a:ea typeface="Roboto"/>
+                <a:cs typeface="Roboto"/>
+                <a:sym typeface="Roboto"/>
+              </a:rPr>
+              <a:t>© All rights reserved by Fireblaze Technologies Pvt. Ltd.</a:t>
+            </a:r>
+            <a:endParaRPr sz="1200">
+              <a:solidFill>
+                <a:srgbClr val="FFFFFF"/>
+              </a:solidFill>
+              <a:latin typeface="Roboto"/>
+              <a:ea typeface="Roboto"/>
+              <a:cs typeface="Roboto"/>
+              <a:sym typeface="Roboto"/>
+            </a:endParaRPr>
+          </a:p>
+        </p:txBody>
+      </p:sp>
+      <p:sp>
+        <p:nvSpPr>
+          <p:cNvPr id="384" name="Google Shape;384;p18"/>
+          <p:cNvSpPr/>
+          <p:nvPr/>
+        </p:nvSpPr>
+        <p:spPr>
+          <a:xfrm rot="10800000">
+            <a:off x="8637600" y="97750"/>
+            <a:ext cx="506400" cy="566400"/>
+          </a:xfrm>
+          <a:prstGeom prst="rtTriangle">
+            <a:avLst/>
+          </a:prstGeom>
+          <a:solidFill>
+            <a:srgbClr val="FF9900"/>
+          </a:solidFill>
+          <a:ln>
+            <a:noFill/>
+          </a:ln>
+        </p:spPr>
+        <p:txBody>
+          <a:bodyPr spcFirstLastPara="1" wrap="square" lIns="91425" tIns="91425" rIns="91425" bIns="91425" anchor="ctr" anchorCtr="0">
+            <a:noAutofit/>
+          </a:bodyPr>
+          <a:lstStyle/>
+          <a:p>
+            <a:pPr marL="0" lvl="0" indent="0" algn="l" rtl="0">
+              <a:spcBef>
+                <a:spcPts val="0"/>
+              </a:spcBef>
+              <a:spcAft>
+                <a:spcPts val="0"/>
+              </a:spcAft>
+              <a:buNone/>
+            </a:pPr>
+            <a:endParaRPr/>
+          </a:p>
+        </p:txBody>
+      </p:sp>
+      <p:sp>
+        <p:nvSpPr>
+          <p:cNvPr id="385" name="Google Shape;385;p18"/>
+          <p:cNvSpPr/>
+          <p:nvPr/>
+        </p:nvSpPr>
+        <p:spPr>
+          <a:xfrm>
+            <a:off x="0" y="4800600"/>
+            <a:ext cx="326400" cy="270600"/>
+          </a:xfrm>
+          <a:prstGeom prst="rtTriangle">
+            <a:avLst/>
+          </a:prstGeom>
+          <a:solidFill>
+            <a:srgbClr val="FF9900"/>
+          </a:solidFill>
+          <a:ln>
+            <a:noFill/>
+          </a:ln>
+        </p:spPr>
+        <p:txBody>
+          <a:bodyPr spcFirstLastPara="1" wrap="square" lIns="91425" tIns="91425" rIns="91425" bIns="91425" anchor="ctr" anchorCtr="0">
+            <a:noAutofit/>
+          </a:bodyPr>
+          <a:lstStyle/>
+          <a:p>
+            <a:pPr marL="0" lvl="0" indent="0" algn="l" rtl="0">
+              <a:spcBef>
+                <a:spcPts val="0"/>
+              </a:spcBef>
+              <a:spcAft>
+                <a:spcPts val="0"/>
+              </a:spcAft>
+              <a:buNone/>
+            </a:pPr>
+            <a:endParaRPr/>
+          </a:p>
+        </p:txBody>
+      </p:sp>
+      <p:pic>
+        <p:nvPicPr>
+          <p:cNvPr id="2" name="Picture 1"/>
+          <p:cNvPicPr>
+            <a:picLocks noChangeAspect="1"/>
+          </p:cNvPicPr>
+          <p:nvPr/>
+        </p:nvPicPr>
+        <p:blipFill>
+          <a:blip r:embed="rId3"/>
+          <a:stretch>
+            <a:fillRect/>
+          </a:stretch>
+        </p:blipFill>
+        <p:spPr>
+          <a:xfrm>
+            <a:off x="6174367" y="2396867"/>
+            <a:ext cx="1529189" cy="1337552"/>
+          </a:xfrm>
+          <a:prstGeom prst="rect">
+            <a:avLst/>
+          </a:prstGeom>
+        </p:spPr>
+      </p:pic>
+    </p:spTree>
+    <p:extLst>
+      <p:ext uri="{BB962C8B-B14F-4D97-AF65-F5344CB8AC3E}">
+        <p14:creationId xmlns:p14="http://schemas.microsoft.com/office/powerpoint/2010/main" val="3221462691"/>
+      </p:ext>
+    </p:extLst>
+  </p:cSld>
+  <p:clrMapOvr>
+    <a:masterClrMapping/>
+  </p:clrMapOvr>
+  <p:timing>
+    <p:tnLst>
+      <p:par>
+        <p:cTn id="1" dur="indefinite" restart="never" nodeType="tmRoot"/>
+      </p:par>
+    </p:tnLst>
+  </p:timing>
+</p:sld>
+</file>
+
+<file path=ppt/slides/slide8.xml><?xml version="1.0" encoding="utf-8"?>
+<p:sld xmlns:a="http://schemas.openxmlformats.org/drawingml/2006/main" xmlns:r="http://schemas.openxmlformats.org/officeDocument/2006/relationships" xmlns:p="http://schemas.openxmlformats.org/presentationml/2006/main">
+  <p:cSld>
+    <p:spTree>
+      <p:nvGrpSpPr>
+        <p:cNvPr id="1" name="Shape 379"/>
+        <p:cNvGrpSpPr/>
+        <p:nvPr/>
+      </p:nvGrpSpPr>
+      <p:grpSpPr>
+        <a:xfrm>
+          <a:off x="0" y="0"/>
+          <a:ext cx="0" cy="0"/>
+          <a:chOff x="0" y="0"/>
+          <a:chExt cx="0" cy="0"/>
+        </a:xfrm>
+      </p:grpSpPr>
+      <p:sp>
+        <p:nvSpPr>
+          <p:cNvPr id="381" name="Google Shape;381;p18"/>
+          <p:cNvSpPr txBox="1">
+            <a:spLocks noGrp="1"/>
+          </p:cNvSpPr>
+          <p:nvPr>
+            <p:ph type="ctrTitle"/>
+          </p:nvPr>
+        </p:nvSpPr>
+        <p:spPr>
+          <a:xfrm>
+            <a:off x="0" y="27645"/>
+            <a:ext cx="9144000" cy="742658"/>
+          </a:xfrm>
+          <a:prstGeom prst="rect">
+            <a:avLst/>
+          </a:prstGeom>
+          <a:solidFill>
+            <a:srgbClr val="FF6A0E"/>
+          </a:solidFill>
+          <a:ln w="9525" cap="flat" cmpd="sng">
+            <a:solidFill>
+              <a:srgbClr val="FFFFFF"/>
+            </a:solidFill>
+            <a:prstDash val="solid"/>
+            <a:round/>
+            <a:headEnd type="none" w="sm" len="sm"/>
+            <a:tailEnd type="none" w="sm" len="sm"/>
+          </a:ln>
+        </p:spPr>
+        <p:txBody>
+          <a:bodyPr spcFirstLastPara="1" wrap="square" lIns="91425" tIns="91425" rIns="91425" bIns="91425" anchor="t" anchorCtr="0">
+            <a:noAutofit/>
+          </a:bodyPr>
+          <a:lstStyle/>
+          <a:p>
             <a:pPr marL="450000" lvl="0" indent="0" algn="l" rtl="0">
               <a:lnSpc>
                 <a:spcPct val="150000"/>
@@ -9064,7 +9639,7 @@
         </p:nvSpPr>
         <p:spPr>
           <a:xfrm>
-            <a:off x="-10050" y="787750"/>
+            <a:off x="-10050" y="664150"/>
             <a:ext cx="9144000" cy="3995403"/>
           </a:xfrm>
           <a:prstGeom prst="rect">
@@ -9081,7 +9656,7 @@
           </a:bodyPr>
           <a:lstStyle/>
           <a:p>
-            <a:pPr marL="101600" lvl="0" algn="just" rtl="0">
+            <a:pPr marL="101600" lvl="0" rtl="0">
               <a:lnSpc>
                 <a:spcPct val="150000"/>
               </a:lnSpc>
@@ -9093,11 +9668,270 @@
               </a:spcAft>
               <a:buSzPts val="2000"/>
             </a:pPr>
-            <a:endParaRPr sz="2000" dirty="0">
+            <a:r>
+              <a:rPr lang="en-US" sz="2000" dirty="0" smtClean="0">
+                <a:solidFill>
+                  <a:schemeClr val="dk1"/>
+                </a:solidFill>
+                <a:latin typeface="+mn-lt"/>
+                <a:ea typeface="Roboto"/>
+                <a:cs typeface="Roboto"/>
+                <a:sym typeface="Roboto"/>
+              </a:rPr>
+              <a:t>Encoding</a:t>
+            </a:r>
+            <a:endParaRPr lang="en-US" sz="2000" dirty="0">
               <a:solidFill>
                 <a:schemeClr val="dk1"/>
               </a:solidFill>
-              <a:latin typeface="Roboto"/>
+              <a:latin typeface="+mn-lt"/>
+              <a:ea typeface="Roboto"/>
+              <a:cs typeface="Roboto"/>
+              <a:sym typeface="Roboto"/>
+            </a:endParaRPr>
+          </a:p>
+          <a:p>
+            <a:pPr marL="444500" lvl="0" indent="-342900">
+              <a:lnSpc>
+                <a:spcPct val="150000"/>
+              </a:lnSpc>
+              <a:buSzPts val="2000"/>
+              <a:buFont typeface="Arial" panose="020B0604020202020204" pitchFamily="34" charset="0"/>
+              <a:buChar char="•"/>
+            </a:pPr>
+            <a:r>
+              <a:rPr lang="en-US" dirty="0" smtClean="0">
+                <a:solidFill>
+                  <a:schemeClr val="dk1"/>
+                </a:solidFill>
+                <a:latin typeface="+mn-lt"/>
+                <a:ea typeface="Roboto"/>
+                <a:cs typeface="Roboto"/>
+                <a:sym typeface="Roboto"/>
+              </a:rPr>
+              <a:t>Method used One hot encoding on Gender, Age, </a:t>
+            </a:r>
+            <a:r>
+              <a:rPr lang="en-US" dirty="0" err="1" smtClean="0">
+                <a:solidFill>
+                  <a:schemeClr val="dk1"/>
+                </a:solidFill>
+                <a:latin typeface="+mn-lt"/>
+                <a:ea typeface="Roboto"/>
+                <a:cs typeface="Roboto"/>
+                <a:sym typeface="Roboto"/>
+              </a:rPr>
+              <a:t>CityCategory</a:t>
+            </a:r>
+            <a:r>
+              <a:rPr lang="en-US" dirty="0" smtClean="0">
+                <a:solidFill>
+                  <a:schemeClr val="dk1"/>
+                </a:solidFill>
+                <a:latin typeface="+mn-lt"/>
+                <a:ea typeface="Roboto"/>
+                <a:cs typeface="Roboto"/>
+                <a:sym typeface="Roboto"/>
+              </a:rPr>
+              <a:t>, </a:t>
+            </a:r>
+            <a:r>
+              <a:rPr lang="en-US" dirty="0" err="1" smtClean="0">
+                <a:solidFill>
+                  <a:schemeClr val="dk1"/>
+                </a:solidFill>
+                <a:latin typeface="+mn-lt"/>
+                <a:ea typeface="Roboto"/>
+                <a:cs typeface="Roboto"/>
+                <a:sym typeface="Roboto"/>
+              </a:rPr>
+              <a:t>StayInCurrentCityYears</a:t>
+            </a:r>
+            <a:r>
+              <a:rPr lang="en-US" dirty="0" smtClean="0">
+                <a:solidFill>
+                  <a:schemeClr val="dk1"/>
+                </a:solidFill>
+                <a:latin typeface="+mn-lt"/>
+                <a:ea typeface="Roboto"/>
+                <a:cs typeface="Roboto"/>
+                <a:sym typeface="Roboto"/>
+              </a:rPr>
+              <a:t>, Occupation, ProductCategory1, ProductCategory2 columns </a:t>
+            </a:r>
+            <a:r>
+              <a:rPr lang="en-US" dirty="0">
+                <a:solidFill>
+                  <a:schemeClr val="dk1"/>
+                </a:solidFill>
+                <a:latin typeface="+mn-lt"/>
+                <a:ea typeface="Roboto"/>
+                <a:cs typeface="Roboto"/>
+                <a:sym typeface="Roboto"/>
+              </a:rPr>
+              <a:t>as this gave a good </a:t>
+            </a:r>
+            <a:r>
+              <a:rPr lang="en-US" dirty="0" smtClean="0">
+                <a:solidFill>
+                  <a:schemeClr val="dk1"/>
+                </a:solidFill>
+                <a:latin typeface="+mn-lt"/>
+                <a:ea typeface="Roboto"/>
+                <a:cs typeface="Roboto"/>
+                <a:sym typeface="Roboto"/>
+              </a:rPr>
+              <a:t>result.</a:t>
+            </a:r>
+          </a:p>
+          <a:p>
+            <a:pPr marL="444500" lvl="0" indent="-342900">
+              <a:lnSpc>
+                <a:spcPct val="150000"/>
+              </a:lnSpc>
+              <a:buSzPts val="2000"/>
+              <a:buFont typeface="Arial" panose="020B0604020202020204" pitchFamily="34" charset="0"/>
+              <a:buChar char="•"/>
+            </a:pPr>
+            <a:endParaRPr lang="en-US" dirty="0">
+              <a:solidFill>
+                <a:schemeClr val="dk1"/>
+              </a:solidFill>
+              <a:latin typeface="+mn-lt"/>
+              <a:ea typeface="Roboto"/>
+              <a:cs typeface="Roboto"/>
+              <a:sym typeface="Roboto"/>
+            </a:endParaRPr>
+          </a:p>
+          <a:p>
+            <a:pPr marL="101600" lvl="0">
+              <a:lnSpc>
+                <a:spcPct val="150000"/>
+              </a:lnSpc>
+              <a:buSzPts val="2000"/>
+            </a:pPr>
+            <a:r>
+              <a:rPr lang="en-US" sz="2000" dirty="0" smtClean="0">
+                <a:solidFill>
+                  <a:schemeClr val="dk1"/>
+                </a:solidFill>
+                <a:latin typeface="+mn-lt"/>
+                <a:ea typeface="Roboto"/>
+                <a:cs typeface="Roboto"/>
+                <a:sym typeface="Roboto"/>
+              </a:rPr>
+              <a:t>Input Split</a:t>
+            </a:r>
+          </a:p>
+          <a:p>
+            <a:pPr marL="444500" lvl="0" indent="-342900">
+              <a:lnSpc>
+                <a:spcPct val="150000"/>
+              </a:lnSpc>
+              <a:buSzPts val="2000"/>
+              <a:buFont typeface="Arial" panose="020B0604020202020204" pitchFamily="34" charset="0"/>
+              <a:buChar char="•"/>
+            </a:pPr>
+            <a:r>
+              <a:rPr lang="en-US" dirty="0" smtClean="0">
+                <a:solidFill>
+                  <a:schemeClr val="dk1"/>
+                </a:solidFill>
+                <a:latin typeface="+mn-lt"/>
+                <a:ea typeface="Roboto"/>
+                <a:cs typeface="Roboto"/>
+                <a:sym typeface="Roboto"/>
+              </a:rPr>
+              <a:t>Splitting the dataset between target variable </a:t>
+            </a:r>
+            <a:r>
+              <a:rPr lang="en-US" dirty="0" err="1" smtClean="0">
+                <a:solidFill>
+                  <a:schemeClr val="dk1"/>
+                </a:solidFill>
+                <a:latin typeface="+mn-lt"/>
+                <a:ea typeface="Roboto"/>
+                <a:cs typeface="Roboto"/>
+                <a:sym typeface="Roboto"/>
+              </a:rPr>
+              <a:t>ie</a:t>
+            </a:r>
+            <a:r>
+              <a:rPr lang="en-US" dirty="0" smtClean="0">
+                <a:solidFill>
+                  <a:schemeClr val="dk1"/>
+                </a:solidFill>
+                <a:latin typeface="+mn-lt"/>
+                <a:ea typeface="Roboto"/>
+                <a:cs typeface="Roboto"/>
+                <a:sym typeface="Roboto"/>
+              </a:rPr>
+              <a:t> Purchase and input variables </a:t>
+            </a:r>
+            <a:r>
+              <a:rPr lang="en-US" dirty="0" err="1" smtClean="0">
+                <a:solidFill>
+                  <a:schemeClr val="dk1"/>
+                </a:solidFill>
+                <a:latin typeface="+mn-lt"/>
+                <a:ea typeface="Roboto"/>
+                <a:cs typeface="Roboto"/>
+                <a:sym typeface="Roboto"/>
+              </a:rPr>
+              <a:t>ie</a:t>
+            </a:r>
+            <a:r>
+              <a:rPr lang="en-US" dirty="0" smtClean="0">
+                <a:solidFill>
+                  <a:schemeClr val="dk1"/>
+                </a:solidFill>
+                <a:latin typeface="+mn-lt"/>
+                <a:ea typeface="Roboto"/>
+                <a:cs typeface="Roboto"/>
+                <a:sym typeface="Roboto"/>
+              </a:rPr>
+              <a:t> rest of the columns as </a:t>
+            </a:r>
+            <a:br>
+              <a:rPr lang="en-US" dirty="0" smtClean="0">
+                <a:solidFill>
+                  <a:schemeClr val="dk1"/>
+                </a:solidFill>
+                <a:latin typeface="+mn-lt"/>
+                <a:ea typeface="Roboto"/>
+                <a:cs typeface="Roboto"/>
+                <a:sym typeface="Roboto"/>
+              </a:rPr>
+            </a:br>
+            <a:r>
+              <a:rPr lang="en-US" dirty="0" smtClean="0">
+                <a:solidFill>
+                  <a:schemeClr val="dk1"/>
+                </a:solidFill>
+                <a:latin typeface="+mn-lt"/>
+                <a:ea typeface="Roboto"/>
+                <a:cs typeface="Roboto"/>
+                <a:sym typeface="Roboto"/>
+              </a:rPr>
+              <a:t>X and y and running them through </a:t>
+            </a:r>
+            <a:r>
+              <a:rPr lang="en-US" dirty="0" err="1" smtClean="0">
+                <a:solidFill>
+                  <a:schemeClr val="dk1"/>
+                </a:solidFill>
+                <a:latin typeface="+mn-lt"/>
+                <a:ea typeface="Roboto"/>
+                <a:cs typeface="Roboto"/>
+                <a:sym typeface="Roboto"/>
+              </a:rPr>
+              <a:t>train_test_split</a:t>
+            </a:r>
+            <a:endParaRPr lang="en-US" dirty="0" smtClean="0">
+              <a:solidFill>
+                <a:schemeClr val="dk1"/>
+              </a:solidFill>
+              <a:latin typeface="+mn-lt"/>
               <a:ea typeface="Roboto"/>
               <a:cs typeface="Roboto"/>
               <a:sym typeface="Roboto"/>
@@ -9247,7 +10081,7 @@
       </p:sp>
       <p:pic>
         <p:nvPicPr>
-          <p:cNvPr id="2" name="Picture 1"/>
+          <p:cNvPr id="3" name="Picture 2"/>
           <p:cNvPicPr>
             <a:picLocks noChangeAspect="1"/>
           </p:cNvPicPr>
@@ -9261,301 +10095,14 @@
         </p:blipFill>
         <p:spPr>
           <a:xfrm>
-            <a:off x="326400" y="2592234"/>
-            <a:ext cx="6269370" cy="1320505"/>
+            <a:off x="5338724" y="3167988"/>
+            <a:ext cx="1023238" cy="1430594"/>
           </a:xfrm>
           <a:prstGeom prst="rect">
             <a:avLst/>
           </a:prstGeom>
         </p:spPr>
       </p:pic>
-    </p:spTree>
-  </p:cSld>
-  <p:clrMapOvr>
-    <a:masterClrMapping/>
-  </p:clrMapOvr>
-</p:sld>
-</file>
-
-<file path=ppt/slides/slide8.xml><?xml version="1.0" encoding="utf-8"?>
-<p:sld xmlns:a="http://schemas.openxmlformats.org/drawingml/2006/main" xmlns:r="http://schemas.openxmlformats.org/officeDocument/2006/relationships" xmlns:p="http://schemas.openxmlformats.org/presentationml/2006/main">
-  <p:cSld>
-    <p:spTree>
-      <p:nvGrpSpPr>
-        <p:cNvPr id="1" name="Shape 389"/>
-        <p:cNvGrpSpPr/>
-        <p:nvPr/>
-      </p:nvGrpSpPr>
-      <p:grpSpPr>
-        <a:xfrm>
-          <a:off x="0" y="0"/>
-          <a:ext cx="0" cy="0"/>
-          <a:chOff x="0" y="0"/>
-          <a:chExt cx="0" cy="0"/>
-        </a:xfrm>
-      </p:grpSpPr>
-      <p:sp>
-        <p:nvSpPr>
-          <p:cNvPr id="391" name="Google Shape;391;p19"/>
-          <p:cNvSpPr txBox="1">
-            <a:spLocks noGrp="1"/>
-          </p:cNvSpPr>
-          <p:nvPr>
-            <p:ph type="ctrTitle"/>
-          </p:nvPr>
-        </p:nvSpPr>
-        <p:spPr>
-          <a:xfrm>
-            <a:off x="0" y="-4252"/>
-            <a:ext cx="9144000" cy="742658"/>
-          </a:xfrm>
-          <a:prstGeom prst="rect">
-            <a:avLst/>
-          </a:prstGeom>
-          <a:solidFill>
-            <a:srgbClr val="FF6A0E"/>
-          </a:solidFill>
-          <a:ln w="9525" cap="flat" cmpd="sng">
-            <a:solidFill>
-              <a:srgbClr val="FFFFFF"/>
-            </a:solidFill>
-            <a:prstDash val="solid"/>
-            <a:round/>
-            <a:headEnd type="none" w="sm" len="sm"/>
-            <a:tailEnd type="none" w="sm" len="sm"/>
-          </a:ln>
-        </p:spPr>
-        <p:txBody>
-          <a:bodyPr spcFirstLastPara="1" wrap="square" lIns="91425" tIns="91425" rIns="91425" bIns="91425" anchor="t" anchorCtr="0">
-            <a:noAutofit/>
-          </a:bodyPr>
-          <a:lstStyle/>
-          <a:p>
-            <a:pPr marL="450000" lvl="0" indent="0" algn="l" rtl="0">
-              <a:lnSpc>
-                <a:spcPct val="150000"/>
-              </a:lnSpc>
-              <a:spcBef>
-                <a:spcPts val="0"/>
-              </a:spcBef>
-              <a:spcAft>
-                <a:spcPts val="1600"/>
-              </a:spcAft>
-              <a:buNone/>
-            </a:pPr>
-            <a:r>
-              <a:rPr lang="en-GB" sz="3000" b="1" dirty="0">
-                <a:solidFill>
-                  <a:srgbClr val="FFFFFF"/>
-                </a:solidFill>
-                <a:latin typeface="Roboto"/>
-                <a:ea typeface="Roboto"/>
-                <a:cs typeface="Roboto"/>
-                <a:sym typeface="Roboto"/>
-              </a:rPr>
-              <a:t>Optimisation</a:t>
-            </a:r>
-            <a:endParaRPr sz="3000" b="1" dirty="0">
-              <a:solidFill>
-                <a:srgbClr val="FFFFFF"/>
-              </a:solidFill>
-              <a:latin typeface="Roboto"/>
-              <a:ea typeface="Roboto"/>
-              <a:cs typeface="Roboto"/>
-              <a:sym typeface="Roboto"/>
-            </a:endParaRPr>
-          </a:p>
-        </p:txBody>
-      </p:sp>
-      <p:sp>
-        <p:nvSpPr>
-          <p:cNvPr id="392" name="Google Shape;392;p19"/>
-          <p:cNvSpPr txBox="1"/>
-          <p:nvPr/>
-        </p:nvSpPr>
-        <p:spPr>
-          <a:xfrm>
-            <a:off x="10050" y="738406"/>
-            <a:ext cx="9144000" cy="4062194"/>
-          </a:xfrm>
-          <a:prstGeom prst="rect">
-            <a:avLst/>
-          </a:prstGeom>
-          <a:noFill/>
-          <a:ln>
-            <a:noFill/>
-          </a:ln>
-        </p:spPr>
-        <p:txBody>
-          <a:bodyPr spcFirstLastPara="1" wrap="square" lIns="274300" tIns="274300" rIns="274300" bIns="274300" anchor="t" anchorCtr="0">
-            <a:noAutofit/>
-          </a:bodyPr>
-          <a:lstStyle/>
-          <a:p>
-            <a:pPr marL="457200" lvl="0" indent="0" algn="just" rtl="0">
-              <a:lnSpc>
-                <a:spcPct val="150000"/>
-              </a:lnSpc>
-              <a:spcBef>
-                <a:spcPts val="1600"/>
-              </a:spcBef>
-              <a:spcAft>
-                <a:spcPts val="1600"/>
-              </a:spcAft>
-              <a:buNone/>
-            </a:pPr>
-            <a:endParaRPr sz="2000" dirty="0">
-              <a:solidFill>
-                <a:schemeClr val="dk1"/>
-              </a:solidFill>
-              <a:latin typeface="Roboto"/>
-              <a:ea typeface="Roboto"/>
-              <a:cs typeface="Roboto"/>
-              <a:sym typeface="Roboto"/>
-            </a:endParaRPr>
-          </a:p>
-        </p:txBody>
-      </p:sp>
-      <p:sp>
-        <p:nvSpPr>
-          <p:cNvPr id="393" name="Google Shape;393;p19"/>
-          <p:cNvSpPr txBox="1"/>
-          <p:nvPr/>
-        </p:nvSpPr>
-        <p:spPr>
-          <a:xfrm>
-            <a:off x="-10050" y="4800600"/>
-            <a:ext cx="9164100" cy="270600"/>
-          </a:xfrm>
-          <a:prstGeom prst="rect">
-            <a:avLst/>
-          </a:prstGeom>
-          <a:solidFill>
-            <a:srgbClr val="FF6A0E"/>
-          </a:solidFill>
-          <a:ln>
-            <a:noFill/>
-          </a:ln>
-        </p:spPr>
-        <p:txBody>
-          <a:bodyPr spcFirstLastPara="1" wrap="square" lIns="91425" tIns="91425" rIns="91425" bIns="91425" anchor="ctr" anchorCtr="0">
-            <a:noAutofit/>
-          </a:bodyPr>
-          <a:lstStyle/>
-          <a:p>
-            <a:pPr marL="0" marR="182880" lvl="0" indent="0" algn="r" rtl="0">
-              <a:spcBef>
-                <a:spcPts val="0"/>
-              </a:spcBef>
-              <a:spcAft>
-                <a:spcPts val="0"/>
-              </a:spcAft>
-              <a:buNone/>
-            </a:pPr>
-            <a:r>
-              <a:rPr lang="en-GB" sz="1200">
-                <a:solidFill>
-                  <a:srgbClr val="FFFFFF"/>
-                </a:solidFill>
-                <a:latin typeface="Roboto"/>
-                <a:ea typeface="Roboto"/>
-                <a:cs typeface="Roboto"/>
-                <a:sym typeface="Roboto"/>
-              </a:rPr>
-              <a:t>© All rights reserved by Fireblaze Technologies Pvt. Ltd.</a:t>
-            </a:r>
-            <a:endParaRPr sz="1200">
-              <a:solidFill>
-                <a:srgbClr val="FFFFFF"/>
-              </a:solidFill>
-              <a:latin typeface="Roboto"/>
-              <a:ea typeface="Roboto"/>
-              <a:cs typeface="Roboto"/>
-              <a:sym typeface="Roboto"/>
-            </a:endParaRPr>
-          </a:p>
-        </p:txBody>
-      </p:sp>
-      <p:sp>
-        <p:nvSpPr>
-          <p:cNvPr id="394" name="Google Shape;394;p19"/>
-          <p:cNvSpPr/>
-          <p:nvPr/>
-        </p:nvSpPr>
-        <p:spPr>
-          <a:xfrm rot="10800000">
-            <a:off x="8637600" y="97750"/>
-            <a:ext cx="506400" cy="566400"/>
-          </a:xfrm>
-          <a:prstGeom prst="rtTriangle">
-            <a:avLst/>
-          </a:prstGeom>
-          <a:solidFill>
-            <a:srgbClr val="FF9900"/>
-          </a:solidFill>
-          <a:ln>
-            <a:noFill/>
-          </a:ln>
-        </p:spPr>
-        <p:txBody>
-          <a:bodyPr spcFirstLastPara="1" wrap="square" lIns="91425" tIns="91425" rIns="91425" bIns="91425" anchor="ctr" anchorCtr="0">
-            <a:noAutofit/>
-          </a:bodyPr>
-          <a:lstStyle/>
-          <a:p>
-            <a:pPr marL="0" lvl="0" indent="0" algn="l" rtl="0">
-              <a:spcBef>
-                <a:spcPts val="0"/>
-              </a:spcBef>
-              <a:spcAft>
-                <a:spcPts val="0"/>
-              </a:spcAft>
-              <a:buNone/>
-            </a:pPr>
-            <a:endParaRPr/>
-          </a:p>
-        </p:txBody>
-      </p:sp>
-      <p:sp>
-        <p:nvSpPr>
-          <p:cNvPr id="395" name="Google Shape;395;p19"/>
-          <p:cNvSpPr/>
-          <p:nvPr/>
-        </p:nvSpPr>
-        <p:spPr>
-          <a:xfrm>
-            <a:off x="0" y="4800600"/>
-            <a:ext cx="326400" cy="270600"/>
-          </a:xfrm>
-          <a:prstGeom prst="rtTriangle">
-            <a:avLst/>
-          </a:prstGeom>
-          <a:solidFill>
-            <a:srgbClr val="FF9900"/>
-          </a:solidFill>
-          <a:ln>
-            <a:noFill/>
-          </a:ln>
-        </p:spPr>
-        <p:txBody>
-          <a:bodyPr spcFirstLastPara="1" wrap="square" lIns="91425" tIns="91425" rIns="91425" bIns="91425" anchor="ctr" anchorCtr="0">
-            <a:noAutofit/>
-          </a:bodyPr>
-          <a:lstStyle/>
-          <a:p>
-            <a:pPr marL="0" lvl="0" indent="0" algn="l" rtl="0">
-              <a:spcBef>
-                <a:spcPts val="0"/>
-              </a:spcBef>
-              <a:spcAft>
-                <a:spcPts val="0"/>
-              </a:spcAft>
-              <a:buNone/>
-            </a:pPr>
-            <a:endParaRPr/>
-          </a:p>
-        </p:txBody>
-      </p:sp>
     </p:spTree>
   </p:cSld>
   <p:clrMapOvr>
@@ -9618,20 +10165,16 @@
           </a:bodyPr>
           <a:lstStyle/>
           <a:p>
-            <a:pPr marL="450000" lvl="0" indent="0" algn="l" rtl="0">
+            <a:pPr marL="450000" lvl="0" algn="l">
               <a:lnSpc>
                 <a:spcPct val="150000"/>
               </a:lnSpc>
-              <a:spcBef>
-                <a:spcPts val="0"/>
-              </a:spcBef>
               <a:spcAft>
                 <a:spcPts val="1600"/>
               </a:spcAft>
-              <a:buNone/>
             </a:pPr>
             <a:r>
-              <a:rPr lang="en-GB" sz="3000" b="1" dirty="0">
+              <a:rPr lang="en-US" sz="3000" b="1" dirty="0">
                 <a:solidFill>
                   <a:srgbClr val="FFFFFF"/>
                 </a:solidFill>
@@ -9640,60 +10183,11 @@
                 <a:cs typeface="Roboto"/>
                 <a:sym typeface="Roboto"/>
               </a:rPr>
-              <a:t>Conclusion</a:t>
+              <a:t>Machine Learning Modelling</a:t>
             </a:r>
             <a:endParaRPr sz="3000" b="1" dirty="0">
               <a:solidFill>
                 <a:srgbClr val="FFFFFF"/>
-              </a:solidFill>
-              <a:latin typeface="Roboto"/>
-              <a:ea typeface="Roboto"/>
-              <a:cs typeface="Roboto"/>
-              <a:sym typeface="Roboto"/>
-            </a:endParaRPr>
-          </a:p>
-        </p:txBody>
-      </p:sp>
-      <p:sp>
-        <p:nvSpPr>
-          <p:cNvPr id="392" name="Google Shape;392;p19"/>
-          <p:cNvSpPr txBox="1"/>
-          <p:nvPr/>
-        </p:nvSpPr>
-        <p:spPr>
-          <a:xfrm>
-            <a:off x="10050" y="738406"/>
-            <a:ext cx="9144000" cy="4062194"/>
-          </a:xfrm>
-          <a:prstGeom prst="rect">
-            <a:avLst/>
-          </a:prstGeom>
-          <a:noFill/>
-          <a:ln>
-            <a:noFill/>
-          </a:ln>
-        </p:spPr>
-        <p:txBody>
-          <a:bodyPr spcFirstLastPara="1" wrap="square" lIns="274300" tIns="274300" rIns="274300" bIns="274300" anchor="t" anchorCtr="0">
-            <a:noAutofit/>
-          </a:bodyPr>
-          <a:lstStyle/>
-          <a:p>
-            <a:pPr marL="457200" lvl="0" indent="0" algn="just" rtl="0">
-              <a:lnSpc>
-                <a:spcPct val="150000"/>
-              </a:lnSpc>
-              <a:spcBef>
-                <a:spcPts val="1600"/>
-              </a:spcBef>
-              <a:spcAft>
-                <a:spcPts val="1600"/>
-              </a:spcAft>
-              <a:buNone/>
-            </a:pPr>
-            <a:endParaRPr sz="2000" dirty="0">
-              <a:solidFill>
-                <a:schemeClr val="dk1"/>
               </a:solidFill>
               <a:latin typeface="Roboto"/>
               <a:ea typeface="Roboto"/>
@@ -9843,16 +10337,327 @@
           </a:p>
         </p:txBody>
       </p:sp>
+      <p:pic>
+        <p:nvPicPr>
+          <p:cNvPr id="2" name="Picture 1"/>
+          <p:cNvPicPr>
+            <a:picLocks noChangeAspect="1"/>
+          </p:cNvPicPr>
+          <p:nvPr/>
+        </p:nvPicPr>
+        <p:blipFill>
+          <a:blip r:embed="rId3"/>
+          <a:stretch>
+            <a:fillRect/>
+          </a:stretch>
+        </p:blipFill>
+        <p:spPr>
+          <a:xfrm>
+            <a:off x="2725798" y="1853360"/>
+            <a:ext cx="2016744" cy="676169"/>
+          </a:xfrm>
+          <a:prstGeom prst="rect">
+            <a:avLst/>
+          </a:prstGeom>
+        </p:spPr>
+      </p:pic>
+      <p:pic>
+        <p:nvPicPr>
+          <p:cNvPr id="3" name="Picture 2"/>
+          <p:cNvPicPr>
+            <a:picLocks noChangeAspect="1"/>
+          </p:cNvPicPr>
+          <p:nvPr/>
+        </p:nvPicPr>
+        <p:blipFill>
+          <a:blip r:embed="rId4"/>
+          <a:stretch>
+            <a:fillRect/>
+          </a:stretch>
+        </p:blipFill>
+        <p:spPr>
+          <a:xfrm>
+            <a:off x="2717488" y="3459057"/>
+            <a:ext cx="1854512" cy="637489"/>
+          </a:xfrm>
+          <a:prstGeom prst="rect">
+            <a:avLst/>
+          </a:prstGeom>
+        </p:spPr>
+      </p:pic>
+      <p:pic>
+        <p:nvPicPr>
+          <p:cNvPr id="4" name="Picture 3"/>
+          <p:cNvPicPr>
+            <a:picLocks noChangeAspect="1"/>
+          </p:cNvPicPr>
+          <p:nvPr/>
+        </p:nvPicPr>
+        <p:blipFill>
+          <a:blip r:embed="rId5"/>
+          <a:stretch>
+            <a:fillRect/>
+          </a:stretch>
+        </p:blipFill>
+        <p:spPr>
+          <a:xfrm>
+            <a:off x="2717488" y="2651782"/>
+            <a:ext cx="2088366" cy="685022"/>
+          </a:xfrm>
+          <a:prstGeom prst="rect">
+            <a:avLst/>
+          </a:prstGeom>
+        </p:spPr>
+      </p:pic>
+      <p:sp>
+        <p:nvSpPr>
+          <p:cNvPr id="11" name="Google Shape;392;p19"/>
+          <p:cNvSpPr txBox="1"/>
+          <p:nvPr/>
+        </p:nvSpPr>
+        <p:spPr>
+          <a:xfrm>
+            <a:off x="0" y="766151"/>
+            <a:ext cx="9280636" cy="3960193"/>
+          </a:xfrm>
+          <a:prstGeom prst="rect">
+            <a:avLst/>
+          </a:prstGeom>
+          <a:noFill/>
+          <a:ln>
+            <a:noFill/>
+          </a:ln>
+        </p:spPr>
+        <p:txBody>
+          <a:bodyPr spcFirstLastPara="1" wrap="square" lIns="274300" tIns="274300" rIns="274300" bIns="274300" anchor="t" anchorCtr="0">
+            <a:noAutofit/>
+          </a:bodyPr>
+          <a:lstStyle/>
+          <a:p>
+            <a:pPr marL="457200" lvl="0" rtl="0">
+              <a:lnSpc>
+                <a:spcPct val="150000"/>
+              </a:lnSpc>
+              <a:spcBef>
+                <a:spcPts val="1600"/>
+              </a:spcBef>
+              <a:spcAft>
+                <a:spcPts val="1600"/>
+              </a:spcAft>
+            </a:pPr>
+            <a:r>
+              <a:rPr lang="en-US" sz="1600" dirty="0" smtClean="0">
+                <a:solidFill>
+                  <a:schemeClr val="dk1"/>
+                </a:solidFill>
+                <a:latin typeface="Roboto"/>
+                <a:ea typeface="Roboto"/>
+                <a:cs typeface="Roboto"/>
+                <a:sym typeface="Roboto"/>
+              </a:rPr>
+              <a:t>We apply machine learning </a:t>
+            </a:r>
+            <a:r>
+              <a:rPr lang="en-US" sz="1600" dirty="0" err="1" smtClean="0">
+                <a:solidFill>
+                  <a:schemeClr val="dk1"/>
+                </a:solidFill>
+                <a:latin typeface="Roboto"/>
+                <a:ea typeface="Roboto"/>
+                <a:cs typeface="Roboto"/>
+                <a:sym typeface="Roboto"/>
+              </a:rPr>
+              <a:t>agorithms</a:t>
+            </a:r>
+            <a:r>
+              <a:rPr lang="en-US" sz="1600" dirty="0" smtClean="0">
+                <a:solidFill>
+                  <a:schemeClr val="dk1"/>
+                </a:solidFill>
+                <a:latin typeface="Roboto"/>
+                <a:ea typeface="Roboto"/>
+                <a:cs typeface="Roboto"/>
+                <a:sym typeface="Roboto"/>
+              </a:rPr>
+              <a:t> on the dataset lets check scores</a:t>
+            </a:r>
+          </a:p>
+          <a:p>
+            <a:pPr marL="742950" lvl="0" indent="-285750">
+              <a:lnSpc>
+                <a:spcPct val="150000"/>
+              </a:lnSpc>
+              <a:spcBef>
+                <a:spcPts val="1600"/>
+              </a:spcBef>
+              <a:spcAft>
+                <a:spcPts val="1600"/>
+              </a:spcAft>
+              <a:buFont typeface="Arial" panose="020B0604020202020204" pitchFamily="34" charset="0"/>
+              <a:buChar char="•"/>
+            </a:pPr>
+            <a:r>
+              <a:rPr lang="en-US" sz="1600" dirty="0">
+                <a:solidFill>
+                  <a:schemeClr val="dk1"/>
+                </a:solidFill>
+                <a:latin typeface="Roboto"/>
+                <a:ea typeface="Roboto"/>
+                <a:cs typeface="Roboto"/>
+                <a:sym typeface="Roboto"/>
+              </a:rPr>
+              <a:t>Linear</a:t>
+            </a:r>
+            <a:r>
+              <a:rPr lang="en-US" sz="1600" dirty="0" smtClean="0">
+                <a:solidFill>
+                  <a:schemeClr val="dk1"/>
+                </a:solidFill>
+                <a:latin typeface="Roboto"/>
+                <a:ea typeface="Roboto"/>
+                <a:cs typeface="Roboto"/>
+                <a:sym typeface="Roboto"/>
+              </a:rPr>
+              <a:t> Regression </a:t>
+            </a:r>
+            <a:endParaRPr lang="en-US" sz="1600" i="1" dirty="0" smtClean="0">
+              <a:solidFill>
+                <a:schemeClr val="dk1"/>
+              </a:solidFill>
+              <a:latin typeface="Roboto"/>
+              <a:ea typeface="Roboto"/>
+              <a:cs typeface="Roboto"/>
+              <a:sym typeface="Roboto"/>
+            </a:endParaRPr>
+          </a:p>
+          <a:p>
+            <a:pPr marL="742950" lvl="0" indent="-285750" rtl="0">
+              <a:lnSpc>
+                <a:spcPct val="150000"/>
+              </a:lnSpc>
+              <a:spcBef>
+                <a:spcPts val="1600"/>
+              </a:spcBef>
+              <a:spcAft>
+                <a:spcPts val="1600"/>
+              </a:spcAft>
+              <a:buFont typeface="Arial" panose="020B0604020202020204" pitchFamily="34" charset="0"/>
+              <a:buChar char="•"/>
+            </a:pPr>
+            <a:r>
+              <a:rPr lang="en-US" sz="1600" dirty="0" smtClean="0">
+                <a:solidFill>
+                  <a:schemeClr val="dk1"/>
+                </a:solidFill>
+                <a:latin typeface="Roboto"/>
+                <a:ea typeface="Roboto"/>
+                <a:cs typeface="Roboto"/>
+                <a:sym typeface="Roboto"/>
+              </a:rPr>
+              <a:t>Ridge Regression</a:t>
+            </a:r>
+          </a:p>
+          <a:p>
+            <a:pPr marL="742950" lvl="0" indent="-285750" rtl="0">
+              <a:lnSpc>
+                <a:spcPct val="150000"/>
+              </a:lnSpc>
+              <a:spcBef>
+                <a:spcPts val="1600"/>
+              </a:spcBef>
+              <a:spcAft>
+                <a:spcPts val="1600"/>
+              </a:spcAft>
+              <a:buFont typeface="Arial" panose="020B0604020202020204" pitchFamily="34" charset="0"/>
+              <a:buChar char="•"/>
+            </a:pPr>
+            <a:r>
+              <a:rPr lang="en-US" sz="1600" dirty="0" smtClean="0">
+                <a:solidFill>
+                  <a:schemeClr val="dk1"/>
+                </a:solidFill>
+                <a:latin typeface="Roboto"/>
+                <a:ea typeface="Roboto"/>
+                <a:cs typeface="Roboto"/>
+                <a:sym typeface="Roboto"/>
+              </a:rPr>
+              <a:t>Lasso Regression</a:t>
+            </a:r>
+          </a:p>
+          <a:p>
+            <a:pPr marL="742950" lvl="0" indent="-285750" rtl="0">
+              <a:lnSpc>
+                <a:spcPct val="150000"/>
+              </a:lnSpc>
+              <a:spcBef>
+                <a:spcPts val="1600"/>
+              </a:spcBef>
+              <a:spcAft>
+                <a:spcPts val="1600"/>
+              </a:spcAft>
+              <a:buFont typeface="Arial" panose="020B0604020202020204" pitchFamily="34" charset="0"/>
+              <a:buChar char="•"/>
+            </a:pPr>
+            <a:r>
+              <a:rPr lang="en-IN" sz="1600" dirty="0" smtClean="0">
+                <a:solidFill>
+                  <a:schemeClr val="dk1"/>
+                </a:solidFill>
+                <a:latin typeface="Roboto"/>
+                <a:ea typeface="Roboto"/>
+                <a:cs typeface="Roboto"/>
+                <a:sym typeface="Roboto"/>
+              </a:rPr>
+              <a:t>Random Forest Regression </a:t>
+            </a:r>
+            <a:endParaRPr sz="1600" dirty="0">
+              <a:solidFill>
+                <a:schemeClr val="dk1"/>
+              </a:solidFill>
+              <a:latin typeface="Roboto"/>
+              <a:ea typeface="Roboto"/>
+              <a:cs typeface="Roboto"/>
+              <a:sym typeface="Roboto"/>
+            </a:endParaRPr>
+          </a:p>
+        </p:txBody>
+      </p:sp>
+      <p:pic>
+        <p:nvPicPr>
+          <p:cNvPr id="5" name="Picture 4"/>
+          <p:cNvPicPr>
+            <a:picLocks noChangeAspect="1"/>
+          </p:cNvPicPr>
+          <p:nvPr/>
+        </p:nvPicPr>
+        <p:blipFill>
+          <a:blip r:embed="rId6"/>
+          <a:stretch>
+            <a:fillRect/>
+          </a:stretch>
+        </p:blipFill>
+        <p:spPr>
+          <a:xfrm>
+            <a:off x="3522859" y="4089476"/>
+            <a:ext cx="2098282" cy="664613"/>
+          </a:xfrm>
+          <a:prstGeom prst="rect">
+            <a:avLst/>
+          </a:prstGeom>
+        </p:spPr>
+      </p:pic>
     </p:spTree>
-    <p:extLst>
-      <p:ext uri="{BB962C8B-B14F-4D97-AF65-F5344CB8AC3E}">
-        <p14:creationId xmlns:p14="http://schemas.microsoft.com/office/powerpoint/2010/main" val="750392130"/>
-      </p:ext>
-    </p:extLst>
   </p:cSld>
   <p:clrMapOvr>
     <a:masterClrMapping/>
   </p:clrMapOvr>
+  <p:timing>
+    <p:tnLst>
+      <p:par>
+        <p:cTn id="1" dur="indefinite" restart="never" nodeType="tmRoot"/>
+      </p:par>
+    </p:tnLst>
+  </p:timing>
 </p:sld>
 </file>
 
